--- a/lesson21.pptx
+++ b/lesson21.pptx
@@ -226,7 +226,7 @@
             <a:fld id="{85522811-C5C6-42D2-A409-F8556720C93F}" type="datetimeFigureOut">
               <a:rPr lang="uk-UA" smtClean="0"/>
               <a:pPr/>
-              <a:t>21.11.2020</a:t>
+              <a:t>18.12.2020</a:t>
             </a:fld>
             <a:endParaRPr lang="uk-UA"/>
           </a:p>
@@ -771,7 +771,7 @@
             <a:fld id="{0A2E6AC4-C3FE-4E70-88D1-136405B25267}" type="datetime1">
               <a:rPr lang="uk-UA" smtClean="0"/>
               <a:pPr/>
-              <a:t>21.11.2020</a:t>
+              <a:t>18.12.2020</a:t>
             </a:fld>
             <a:endParaRPr lang="uk-UA"/>
           </a:p>
@@ -938,7 +938,7 @@
             <a:fld id="{B4D85949-5AE9-41F1-B18C-DA1006B0E8CC}" type="datetime1">
               <a:rPr lang="uk-UA" smtClean="0"/>
               <a:pPr/>
-              <a:t>21.11.2020</a:t>
+              <a:t>18.12.2020</a:t>
             </a:fld>
             <a:endParaRPr lang="uk-UA"/>
           </a:p>
@@ -1115,7 +1115,7 @@
             <a:fld id="{B20C227C-94C5-4BA1-A89C-1C7570144B22}" type="datetime1">
               <a:rPr lang="uk-UA" smtClean="0"/>
               <a:pPr/>
-              <a:t>21.11.2020</a:t>
+              <a:t>18.12.2020</a:t>
             </a:fld>
             <a:endParaRPr lang="uk-UA"/>
           </a:p>
@@ -1282,7 +1282,7 @@
             <a:fld id="{68E2E168-B245-4D8D-8538-B29990DBF87B}" type="datetime1">
               <a:rPr lang="uk-UA" smtClean="0"/>
               <a:pPr/>
-              <a:t>21.11.2020</a:t>
+              <a:t>18.12.2020</a:t>
             </a:fld>
             <a:endParaRPr lang="uk-UA"/>
           </a:p>
@@ -1525,7 +1525,7 @@
             <a:fld id="{356DAF6E-7007-4E61-B36E-794BF232B234}" type="datetime1">
               <a:rPr lang="uk-UA" smtClean="0"/>
               <a:pPr/>
-              <a:t>21.11.2020</a:t>
+              <a:t>18.12.2020</a:t>
             </a:fld>
             <a:endParaRPr lang="uk-UA"/>
           </a:p>
@@ -1810,7 +1810,7 @@
             <a:fld id="{4B2141DD-FE72-44AA-B946-B70892F1F5B7}" type="datetime1">
               <a:rPr lang="uk-UA" smtClean="0"/>
               <a:pPr/>
-              <a:t>21.11.2020</a:t>
+              <a:t>18.12.2020</a:t>
             </a:fld>
             <a:endParaRPr lang="uk-UA"/>
           </a:p>
@@ -2229,7 +2229,7 @@
             <a:fld id="{D1C4DC7C-6CC4-4D1F-A21B-A650800E0532}" type="datetime1">
               <a:rPr lang="uk-UA" smtClean="0"/>
               <a:pPr/>
-              <a:t>21.11.2020</a:t>
+              <a:t>18.12.2020</a:t>
             </a:fld>
             <a:endParaRPr lang="uk-UA"/>
           </a:p>
@@ -2344,7 +2344,7 @@
             <a:fld id="{09E753FA-BE70-4E9D-A1A2-A798C2E22C2C}" type="datetime1">
               <a:rPr lang="uk-UA" smtClean="0"/>
               <a:pPr/>
-              <a:t>21.11.2020</a:t>
+              <a:t>18.12.2020</a:t>
             </a:fld>
             <a:endParaRPr lang="uk-UA"/>
           </a:p>
@@ -2436,7 +2436,7 @@
             <a:fld id="{BC4E9D1B-A194-48C6-B5A1-4C29D0F81227}" type="datetime1">
               <a:rPr lang="uk-UA" smtClean="0"/>
               <a:pPr/>
-              <a:t>21.11.2020</a:t>
+              <a:t>18.12.2020</a:t>
             </a:fld>
             <a:endParaRPr lang="uk-UA"/>
           </a:p>
@@ -2710,7 +2710,7 @@
             <a:fld id="{98DC5B78-3AEE-4E8C-84A2-DF8B252C6B7D}" type="datetime1">
               <a:rPr lang="uk-UA" smtClean="0"/>
               <a:pPr/>
-              <a:t>21.11.2020</a:t>
+              <a:t>18.12.2020</a:t>
             </a:fld>
             <a:endParaRPr lang="uk-UA"/>
           </a:p>
@@ -2960,7 +2960,7 @@
             <a:fld id="{08E6AC05-7690-4D29-B090-15CFA8055B58}" type="datetime1">
               <a:rPr lang="uk-UA" smtClean="0"/>
               <a:pPr/>
-              <a:t>21.11.2020</a:t>
+              <a:t>18.12.2020</a:t>
             </a:fld>
             <a:endParaRPr lang="uk-UA"/>
           </a:p>
@@ -3170,7 +3170,7 @@
             <a:fld id="{C4778AB5-85A2-4D58-9351-A198925B541D}" type="datetime1">
               <a:rPr lang="uk-UA" smtClean="0"/>
               <a:pPr/>
-              <a:t>21.11.2020</a:t>
+              <a:t>18.12.2020</a:t>
             </a:fld>
             <a:endParaRPr lang="uk-UA"/>
           </a:p>
@@ -4498,11 +4498,7 @@
             </a:r>
             <a:r>
               <a:rPr lang="ru-RU" sz="2400" dirty="0" smtClean="0"/>
-              <a:t>Для </a:t>
-            </a:r>
-            <a:r>
-              <a:rPr lang="ru-RU" sz="2400" dirty="0" smtClean="0"/>
-              <a:t>тегов</a:t>
+              <a:t>Для тегов</a:t>
             </a:r>
             <a:r>
               <a:rPr lang="en-US" sz="2400" dirty="0" smtClean="0"/>
@@ -4522,11 +4518,7 @@
             </a:r>
             <a:r>
               <a:rPr lang="ru-RU" sz="2400" dirty="0" smtClean="0"/>
-              <a:t> </a:t>
-            </a:r>
-            <a:r>
-              <a:rPr lang="ru-RU" sz="2400" dirty="0" smtClean="0"/>
-              <a:t>браузер создаёт переменную через которую у нас есть доступ к объекту-тегу. Для того, чтобы получить доступ к содержимому тега мы можем воспользоваться его свойством </a:t>
+              <a:t> браузер создаёт переменную через которую у нас есть доступ к объекту-тегу. Для того, чтобы получить доступ к содержимому тега мы можем воспользоваться его свойством </a:t>
             </a:r>
             <a:r>
               <a:rPr lang="en-US" sz="2400" b="1" dirty="0" smtClean="0"/>
@@ -4968,7 +4960,7 @@
             </p:nvSpPr>
             <p:spPr>
               <a:xfrm>
-                <a:off x="4223792" y="4941168"/>
+                <a:off x="4223792" y="4725144"/>
                 <a:ext cx="6424259" cy="1141018"/>
               </a:xfrm>
               <a:prstGeom prst="rect">
@@ -4981,6 +4973,7 @@
               </a:bodyPr>
               <a:lstStyle/>
               <a:p>
+                <a:pPr/>
                 <a14:m>
                   <m:oMathPara xmlns:m="http://schemas.openxmlformats.org/officeDocument/2006/math">
                     <m:oMathParaPr>
@@ -5103,7 +5096,7 @@
             </p:nvSpPr>
             <p:spPr>
               <a:xfrm>
-                <a:off x="4223792" y="4941168"/>
+                <a:off x="4223792" y="4725144"/>
                 <a:ext cx="6424259" cy="1141018"/>
               </a:xfrm>
               <a:prstGeom prst="rect">
@@ -5139,7 +5132,7 @@
         </p:nvSpPr>
         <p:spPr>
           <a:xfrm>
-            <a:off x="1789211" y="4747098"/>
+            <a:off x="1789211" y="4437112"/>
             <a:ext cx="3628942" cy="461665"/>
           </a:xfrm>
           <a:prstGeom prst="rect">
@@ -5158,6 +5151,52 @@
               <a:t>Формула капитализации:</a:t>
             </a:r>
             <a:endParaRPr lang="ru-RU" sz="2400" i="1" dirty="0"/>
+          </a:p>
+        </p:txBody>
+      </p:sp>
+      <p:sp>
+        <p:nvSpPr>
+          <p:cNvPr id="2" name="TextBox 1"/>
+          <p:cNvSpPr txBox="1"/>
+          <p:nvPr/>
+        </p:nvSpPr>
+        <p:spPr>
+          <a:xfrm>
+            <a:off x="1847528" y="6146223"/>
+            <a:ext cx="8596905" cy="369332"/>
+          </a:xfrm>
+          <a:prstGeom prst="rect">
+            <a:avLst/>
+          </a:prstGeom>
+          <a:noFill/>
+        </p:spPr>
+        <p:txBody>
+          <a:bodyPr wrap="none" rtlCol="0">
+            <a:spAutoFit/>
+          </a:bodyPr>
+          <a:lstStyle/>
+          <a:p>
+            <a:r>
+              <a:rPr lang="ru-RU" i="1" smtClean="0"/>
+              <a:t>где</a:t>
+            </a:r>
+            <a:r>
+              <a:rPr lang="ru-RU" b="1" i="1" smtClean="0"/>
+              <a:t> </a:t>
+            </a:r>
+            <a:r>
+              <a:rPr lang="en-US" b="1" i="1" dirty="0" smtClean="0"/>
+              <a:t>Rate</a:t>
+            </a:r>
+            <a:r>
+              <a:rPr lang="en-US" i="1" dirty="0" smtClean="0"/>
+              <a:t> – </a:t>
+            </a:r>
+            <a:r>
+              <a:rPr lang="ru-RU" i="1" dirty="0" smtClean="0"/>
+              <a:t>процентная ставка за период капитализации (в нашем случае за месяц.)</a:t>
+            </a:r>
+            <a:endParaRPr lang="ru-RU" i="1" dirty="0"/>
           </a:p>
         </p:txBody>
       </p:sp>
@@ -5718,11 +5757,7 @@
             </a:r>
             <a:r>
               <a:rPr lang="ru-RU" sz="2700" dirty="0" smtClean="0"/>
-              <a:t>может помочь</a:t>
-            </a:r>
-            <a:r>
-              <a:rPr lang="ru-RU" sz="2700" dirty="0" smtClean="0"/>
-              <a:t>). Учите возможность того, что пользователь по ошибке введёт сантиметры.</a:t>
+              <a:t>может помочь). Учите возможность того, что пользователь по ошибке введёт сантиметры.</a:t>
             </a:r>
             <a:endParaRPr lang="uk-UA" sz="2700" i="1" dirty="0"/>
           </a:p>
